--- a/你的信實廣大.pptx
+++ b/你的信實廣大.pptx
@@ -12,12 +12,12 @@
     <p:sldId id="266" r:id="rId6"/>
     <p:sldId id="267" r:id="rId7"/>
     <p:sldId id="268" r:id="rId8"/>
-    <p:sldId id="269" r:id="rId9"/>
-    <p:sldId id="270" r:id="rId10"/>
+    <p:sldId id="275" r:id="rId9"/>
+    <p:sldId id="276" r:id="rId10"/>
     <p:sldId id="271" r:id="rId11"/>
     <p:sldId id="272" r:id="rId12"/>
-    <p:sldId id="273" r:id="rId13"/>
-    <p:sldId id="274" r:id="rId14"/>
+    <p:sldId id="277" r:id="rId13"/>
+    <p:sldId id="278" r:id="rId14"/>
   </p:sldIdLst>
   <p:sldSz cx="12192000" cy="6858000"/>
   <p:notesSz cx="6858000" cy="9144000"/>
@@ -316,7 +316,7 @@
           <a:p>
             <a:fld id="{C0FCF4F2-2E16-4C1F-8B19-A62CCC9D24F9}" type="datetimeFigureOut">
               <a:rPr lang="zh-TW" altLang="en-US" smtClean="0"/>
-              <a:t>2022/8/5</a:t>
+              <a:t>2023/7/1</a:t>
             </a:fld>
             <a:endParaRPr lang="zh-TW" altLang="en-US"/>
           </a:p>
@@ -486,7 +486,7 @@
           <a:p>
             <a:fld id="{C0FCF4F2-2E16-4C1F-8B19-A62CCC9D24F9}" type="datetimeFigureOut">
               <a:rPr lang="zh-TW" altLang="en-US" smtClean="0"/>
-              <a:t>2022/8/5</a:t>
+              <a:t>2023/7/1</a:t>
             </a:fld>
             <a:endParaRPr lang="zh-TW" altLang="en-US"/>
           </a:p>
@@ -666,7 +666,7 @@
           <a:p>
             <a:fld id="{C0FCF4F2-2E16-4C1F-8B19-A62CCC9D24F9}" type="datetimeFigureOut">
               <a:rPr lang="zh-TW" altLang="en-US" smtClean="0"/>
-              <a:t>2022/8/5</a:t>
+              <a:t>2023/7/1</a:t>
             </a:fld>
             <a:endParaRPr lang="zh-TW" altLang="en-US"/>
           </a:p>
@@ -836,7 +836,7 @@
           <a:p>
             <a:fld id="{C0FCF4F2-2E16-4C1F-8B19-A62CCC9D24F9}" type="datetimeFigureOut">
               <a:rPr lang="zh-TW" altLang="en-US" smtClean="0"/>
-              <a:t>2022/8/5</a:t>
+              <a:t>2023/7/1</a:t>
             </a:fld>
             <a:endParaRPr lang="zh-TW" altLang="en-US"/>
           </a:p>
@@ -1082,7 +1082,7 @@
           <a:p>
             <a:fld id="{C0FCF4F2-2E16-4C1F-8B19-A62CCC9D24F9}" type="datetimeFigureOut">
               <a:rPr lang="zh-TW" altLang="en-US" smtClean="0"/>
-              <a:t>2022/8/5</a:t>
+              <a:t>2023/7/1</a:t>
             </a:fld>
             <a:endParaRPr lang="zh-TW" altLang="en-US"/>
           </a:p>
@@ -1370,7 +1370,7 @@
           <a:p>
             <a:fld id="{C0FCF4F2-2E16-4C1F-8B19-A62CCC9D24F9}" type="datetimeFigureOut">
               <a:rPr lang="zh-TW" altLang="en-US" smtClean="0"/>
-              <a:t>2022/8/5</a:t>
+              <a:t>2023/7/1</a:t>
             </a:fld>
             <a:endParaRPr lang="zh-TW" altLang="en-US"/>
           </a:p>
@@ -1792,7 +1792,7 @@
           <a:p>
             <a:fld id="{C0FCF4F2-2E16-4C1F-8B19-A62CCC9D24F9}" type="datetimeFigureOut">
               <a:rPr lang="zh-TW" altLang="en-US" smtClean="0"/>
-              <a:t>2022/8/5</a:t>
+              <a:t>2023/7/1</a:t>
             </a:fld>
             <a:endParaRPr lang="zh-TW" altLang="en-US"/>
           </a:p>
@@ -1910,7 +1910,7 @@
           <a:p>
             <a:fld id="{C0FCF4F2-2E16-4C1F-8B19-A62CCC9D24F9}" type="datetimeFigureOut">
               <a:rPr lang="zh-TW" altLang="en-US" smtClean="0"/>
-              <a:t>2022/8/5</a:t>
+              <a:t>2023/7/1</a:t>
             </a:fld>
             <a:endParaRPr lang="zh-TW" altLang="en-US"/>
           </a:p>
@@ -2005,7 +2005,7 @@
           <a:p>
             <a:fld id="{C0FCF4F2-2E16-4C1F-8B19-A62CCC9D24F9}" type="datetimeFigureOut">
               <a:rPr lang="zh-TW" altLang="en-US" smtClean="0"/>
-              <a:t>2022/8/5</a:t>
+              <a:t>2023/7/1</a:t>
             </a:fld>
             <a:endParaRPr lang="zh-TW" altLang="en-US"/>
           </a:p>
@@ -2282,7 +2282,7 @@
           <a:p>
             <a:fld id="{C0FCF4F2-2E16-4C1F-8B19-A62CCC9D24F9}" type="datetimeFigureOut">
               <a:rPr lang="zh-TW" altLang="en-US" smtClean="0"/>
-              <a:t>2022/8/5</a:t>
+              <a:t>2023/7/1</a:t>
             </a:fld>
             <a:endParaRPr lang="zh-TW" altLang="en-US"/>
           </a:p>
@@ -2539,7 +2539,7 @@
           <a:p>
             <a:fld id="{C0FCF4F2-2E16-4C1F-8B19-A62CCC9D24F9}" type="datetimeFigureOut">
               <a:rPr lang="zh-TW" altLang="en-US" smtClean="0"/>
-              <a:t>2022/8/5</a:t>
+              <a:t>2023/7/1</a:t>
             </a:fld>
             <a:endParaRPr lang="zh-TW" altLang="en-US"/>
           </a:p>
@@ -2757,7 +2757,7 @@
           <a:p>
             <a:fld id="{C0FCF4F2-2E16-4C1F-8B19-A62CCC9D24F9}" type="datetimeFigureOut">
               <a:rPr lang="zh-TW" altLang="en-US" smtClean="0"/>
-              <a:t>2022/8/5</a:t>
+              <a:t>2023/7/1</a:t>
             </a:fld>
             <a:endParaRPr lang="zh-TW" altLang="en-US"/>
           </a:p>
@@ -3169,7 +3169,7 @@
                 <a:latin typeface="微軟正黑體" pitchFamily="34" charset="-120"/>
                 <a:ea typeface="微軟正黑體" pitchFamily="34" charset="-120"/>
               </a:rPr>
-              <a:t>袮</a:t>
+              <a:t>祢</a:t>
             </a:r>
             <a:r>
               <a:rPr lang="zh-TW" altLang="en-US" sz="7200" b="1" i="1" dirty="0">
@@ -3186,7 +3186,7 @@
                 <a:latin typeface="微軟正黑體" pitchFamily="34" charset="-120"/>
                 <a:ea typeface="微軟正黑體" pitchFamily="34" charset="-120"/>
               </a:rPr>
-              <a:t>的</a:t>
+              <a:t>的信實</a:t>
             </a:r>
             <a:r>
               <a:rPr lang="zh-TW" altLang="en-US" sz="7200" b="1" i="1" dirty="0">
@@ -3203,7 +3203,7 @@
                 <a:latin typeface="微軟正黑體" pitchFamily="34" charset="-120"/>
                 <a:ea typeface="微軟正黑體" pitchFamily="34" charset="-120"/>
               </a:rPr>
-              <a:t>信實廣大</a:t>
+              <a:t>廣大</a:t>
             </a:r>
           </a:p>
         </p:txBody>
@@ -3271,7 +3271,17 @@
                 <a:latin typeface="微軟正黑體" pitchFamily="34" charset="-120"/>
                 <a:ea typeface="微軟正黑體" pitchFamily="34" charset="-120"/>
               </a:rPr>
-              <a:t>袮</a:t>
+              <a:t>祢</a:t>
+            </a:r>
+            <a:r>
+              <a:rPr lang="zh-TW" altLang="en-US" sz="6400" b="1" dirty="0" smtClean="0">
+                <a:solidFill>
+                  <a:srgbClr val="660033"/>
+                </a:solidFill>
+                <a:latin typeface="微軟正黑體" pitchFamily="34" charset="-120"/>
+                <a:ea typeface="微軟正黑體" pitchFamily="34" charset="-120"/>
+              </a:rPr>
+              <a:t>赦</a:t>
             </a:r>
             <a:r>
               <a:rPr lang="zh-TW" altLang="en-US" sz="6400" b="1" dirty="0">
@@ -3281,7 +3291,32 @@
                 <a:latin typeface="微軟正黑體" pitchFamily="34" charset="-120"/>
                 <a:ea typeface="微軟正黑體" pitchFamily="34" charset="-120"/>
               </a:rPr>
-              <a:t>赦</a:t>
+              <a:t>免我罪過  賜永遠安寧</a:t>
+            </a:r>
+          </a:p>
+          <a:p>
+            <a:pPr algn="ctr">
+              <a:buNone/>
+            </a:pPr>
+            <a:r>
+              <a:rPr lang="zh-CN" altLang="en-US" sz="6400" b="1" dirty="0">
+                <a:solidFill>
+                  <a:srgbClr val="660033"/>
+                </a:solidFill>
+                <a:latin typeface="微軟正黑體" pitchFamily="34" charset="-120"/>
+                <a:ea typeface="微軟正黑體" pitchFamily="34" charset="-120"/>
+              </a:rPr>
+              <a:t>祢</a:t>
+            </a:r>
+            <a:r>
+              <a:rPr lang="zh-TW" altLang="en-US" sz="6400" b="1" dirty="0" smtClean="0">
+                <a:solidFill>
+                  <a:srgbClr val="660033"/>
+                </a:solidFill>
+                <a:latin typeface="微軟正黑體" pitchFamily="34" charset="-120"/>
+                <a:ea typeface="微軟正黑體" pitchFamily="34" charset="-120"/>
+              </a:rPr>
+              <a:t>常</a:t>
             </a:r>
             <a:r>
               <a:rPr lang="zh-TW" altLang="en-US" sz="6400" b="1" dirty="0">
@@ -3291,82 +3326,7 @@
                 <a:latin typeface="微軟正黑體" pitchFamily="34" charset="-120"/>
                 <a:ea typeface="微軟正黑體" pitchFamily="34" charset="-120"/>
               </a:rPr>
-              <a:t>免我罪過 </a:t>
-            </a:r>
-            <a:r>
-              <a:rPr lang="zh-TW" altLang="en-US" sz="6400" b="1" dirty="0">
-                <a:solidFill>
-                  <a:srgbClr val="660033"/>
-                </a:solidFill>
-                <a:latin typeface="微軟正黑體" pitchFamily="34" charset="-120"/>
-                <a:ea typeface="微軟正黑體" pitchFamily="34" charset="-120"/>
-              </a:rPr>
-              <a:t> 賜</a:t>
-            </a:r>
-            <a:r>
-              <a:rPr lang="zh-TW" altLang="en-US" sz="6400" b="1" dirty="0">
-                <a:solidFill>
-                  <a:srgbClr val="660033"/>
-                </a:solidFill>
-                <a:latin typeface="微軟正黑體" pitchFamily="34" charset="-120"/>
-                <a:ea typeface="微軟正黑體" pitchFamily="34" charset="-120"/>
-              </a:rPr>
-              <a:t>永遠安寧</a:t>
-            </a:r>
-          </a:p>
-          <a:p>
-            <a:pPr algn="ctr">
-              <a:buNone/>
-            </a:pPr>
-            <a:r>
-              <a:rPr lang="zh-CN" altLang="en-US" sz="6400" b="1" dirty="0">
-                <a:solidFill>
-                  <a:srgbClr val="660033"/>
-                </a:solidFill>
-                <a:latin typeface="微軟正黑體" pitchFamily="34" charset="-120"/>
-                <a:ea typeface="微軟正黑體" pitchFamily="34" charset="-120"/>
-              </a:rPr>
-              <a:t>袮</a:t>
-            </a:r>
-            <a:r>
-              <a:rPr lang="zh-TW" altLang="en-US" sz="6400" b="1" dirty="0">
-                <a:solidFill>
-                  <a:srgbClr val="660033"/>
-                </a:solidFill>
-                <a:latin typeface="微軟正黑體" pitchFamily="34" charset="-120"/>
-                <a:ea typeface="微軟正黑體" pitchFamily="34" charset="-120"/>
-              </a:rPr>
-              <a:t>常</a:t>
-            </a:r>
-            <a:r>
-              <a:rPr lang="zh-TW" altLang="en-US" sz="6400" b="1" dirty="0">
-                <a:solidFill>
-                  <a:srgbClr val="660033"/>
-                </a:solidFill>
-                <a:latin typeface="微軟正黑體" pitchFamily="34" charset="-120"/>
-                <a:ea typeface="微軟正黑體" pitchFamily="34" charset="-120"/>
-              </a:rPr>
-              <a:t>與我同在 </a:t>
-            </a:r>
-            <a:r>
-              <a:rPr lang="zh-TW" altLang="en-US" sz="6400" b="1" dirty="0">
-                <a:solidFill>
-                  <a:srgbClr val="660033"/>
-                </a:solidFill>
-                <a:latin typeface="微軟正黑體" pitchFamily="34" charset="-120"/>
-                <a:ea typeface="微軟正黑體" pitchFamily="34" charset="-120"/>
-              </a:rPr>
-              <a:t> 安</a:t>
-            </a:r>
-            <a:r>
-              <a:rPr lang="zh-TW" altLang="en-US" sz="6400" b="1" dirty="0">
-                <a:solidFill>
-                  <a:srgbClr val="660033"/>
-                </a:solidFill>
-                <a:latin typeface="微軟正黑體" pitchFamily="34" charset="-120"/>
-                <a:ea typeface="微軟正黑體" pitchFamily="34" charset="-120"/>
-              </a:rPr>
-              <a:t>慰引領</a:t>
+              <a:t>與我同在  安慰引領</a:t>
             </a:r>
           </a:p>
         </p:txBody>
@@ -3493,8 +3453,13 @@
                 <a:latin typeface="微軟正黑體" pitchFamily="34" charset="-120"/>
                 <a:ea typeface="微軟正黑體" pitchFamily="34" charset="-120"/>
               </a:rPr>
-              <a:t>求賜今天力量 </a:t>
-            </a:r>
+              <a:t>求賜今天力量  明天的盼望</a:t>
+            </a:r>
+          </a:p>
+          <a:p>
+            <a:pPr algn="ctr">
+              <a:buNone/>
+            </a:pPr>
             <a:r>
               <a:rPr lang="zh-TW" altLang="en-US" sz="6400" b="1" dirty="0">
                 <a:solidFill>
@@ -3503,52 +3468,7 @@
                 <a:latin typeface="微軟正黑體" pitchFamily="34" charset="-120"/>
                 <a:ea typeface="微軟正黑體" pitchFamily="34" charset="-120"/>
               </a:rPr>
-              <a:t> 明</a:t>
-            </a:r>
-            <a:r>
-              <a:rPr lang="zh-TW" altLang="en-US" sz="6400" b="1" dirty="0">
-                <a:solidFill>
-                  <a:srgbClr val="660033"/>
-                </a:solidFill>
-                <a:latin typeface="微軟正黑體" pitchFamily="34" charset="-120"/>
-                <a:ea typeface="微軟正黑體" pitchFamily="34" charset="-120"/>
-              </a:rPr>
-              <a:t>天的盼望</a:t>
-            </a:r>
-          </a:p>
-          <a:p>
-            <a:pPr algn="ctr">
-              <a:buNone/>
-            </a:pPr>
-            <a:r>
-              <a:rPr lang="zh-TW" altLang="en-US" sz="6400" b="1" dirty="0">
-                <a:solidFill>
-                  <a:srgbClr val="660033"/>
-                </a:solidFill>
-                <a:latin typeface="微軟正黑體" pitchFamily="34" charset="-120"/>
-                <a:ea typeface="微軟正黑體" pitchFamily="34" charset="-120"/>
-              </a:rPr>
-              <a:t>從天降下恩典 </a:t>
-            </a:r>
-            <a:r>
-              <a:rPr lang="zh-TW" altLang="en-US" sz="6400" b="1" dirty="0">
-                <a:solidFill>
-                  <a:srgbClr val="660033"/>
-                </a:solidFill>
-                <a:latin typeface="微軟正黑體" pitchFamily="34" charset="-120"/>
-                <a:ea typeface="微軟正黑體" pitchFamily="34" charset="-120"/>
-              </a:rPr>
-              <a:t> 福</a:t>
-            </a:r>
-            <a:r>
-              <a:rPr lang="zh-TW" altLang="en-US" sz="6400" b="1" dirty="0">
-                <a:solidFill>
-                  <a:srgbClr val="660033"/>
-                </a:solidFill>
-                <a:latin typeface="微軟正黑體" pitchFamily="34" charset="-120"/>
-                <a:ea typeface="微軟正黑體" pitchFamily="34" charset="-120"/>
-              </a:rPr>
-              <a:t>樂無窮</a:t>
+              <a:t>從天降下恩典  福樂無窮</a:t>
             </a:r>
           </a:p>
         </p:txBody>
@@ -3675,7 +3595,17 @@
                 <a:latin typeface="微軟正黑體" pitchFamily="34" charset="-120"/>
                 <a:ea typeface="微軟正黑體" pitchFamily="34" charset="-120"/>
               </a:rPr>
-              <a:t>袮</a:t>
+              <a:t>祢</a:t>
+            </a:r>
+            <a:r>
+              <a:rPr lang="zh-TW" altLang="en-US" sz="6400" b="1" dirty="0" smtClean="0">
+                <a:solidFill>
+                  <a:srgbClr val="660033"/>
+                </a:solidFill>
+                <a:latin typeface="微軟正黑體" pitchFamily="34" charset="-120"/>
+                <a:ea typeface="微軟正黑體" pitchFamily="34" charset="-120"/>
+              </a:rPr>
+              <a:t>的</a:t>
             </a:r>
             <a:r>
               <a:rPr lang="zh-TW" altLang="en-US" sz="6400" b="1" dirty="0">
@@ -3685,6 +3615,36 @@
                 <a:latin typeface="微軟正黑體" pitchFamily="34" charset="-120"/>
                 <a:ea typeface="微軟正黑體" pitchFamily="34" charset="-120"/>
               </a:rPr>
+              <a:t>信實廣</a:t>
+            </a:r>
+            <a:r>
+              <a:rPr lang="zh-TW" altLang="en-US" sz="6400" b="1" dirty="0" smtClean="0">
+                <a:solidFill>
+                  <a:srgbClr val="660033"/>
+                </a:solidFill>
+                <a:latin typeface="微軟正黑體" pitchFamily="34" charset="-120"/>
+                <a:ea typeface="微軟正黑體" pitchFamily="34" charset="-120"/>
+              </a:rPr>
+              <a:t>大  </a:t>
+            </a:r>
+            <a:r>
+              <a:rPr lang="zh-CN" altLang="en-US" sz="6400" b="1" dirty="0" smtClean="0">
+                <a:solidFill>
+                  <a:srgbClr val="660033"/>
+                </a:solidFill>
+                <a:latin typeface="微軟正黑體" pitchFamily="34" charset="-120"/>
+                <a:ea typeface="微軟正黑體" pitchFamily="34" charset="-120"/>
+              </a:rPr>
+              <a:t>祢</a:t>
+            </a:r>
+            <a:r>
+              <a:rPr lang="zh-TW" altLang="en-US" sz="6400" b="1" dirty="0" smtClean="0">
+                <a:solidFill>
+                  <a:srgbClr val="660033"/>
+                </a:solidFill>
+                <a:latin typeface="微軟正黑體" pitchFamily="34" charset="-120"/>
+                <a:ea typeface="微軟正黑體" pitchFamily="34" charset="-120"/>
+              </a:rPr>
               <a:t>的</a:t>
             </a:r>
             <a:r>
@@ -3695,8 +3655,13 @@
                 <a:latin typeface="微軟正黑體" pitchFamily="34" charset="-120"/>
                 <a:ea typeface="微軟正黑體" pitchFamily="34" charset="-120"/>
               </a:rPr>
-              <a:t>信實廣</a:t>
-            </a:r>
+              <a:t>信實廣大</a:t>
+            </a:r>
+          </a:p>
+          <a:p>
+            <a:pPr algn="ctr">
+              <a:buNone/>
+            </a:pPr>
             <a:r>
               <a:rPr lang="zh-TW" altLang="en-US" sz="6400" b="1" dirty="0">
                 <a:solidFill>
@@ -3705,72 +3670,7 @@
                 <a:latin typeface="微軟正黑體" pitchFamily="34" charset="-120"/>
                 <a:ea typeface="微軟正黑體" pitchFamily="34" charset="-120"/>
               </a:rPr>
-              <a:t>大  </a:t>
-            </a:r>
-            <a:r>
-              <a:rPr lang="zh-CN" altLang="en-US" sz="6400" b="1" dirty="0">
-                <a:solidFill>
-                  <a:srgbClr val="660033"/>
-                </a:solidFill>
-                <a:latin typeface="微軟正黑體" pitchFamily="34" charset="-120"/>
-                <a:ea typeface="微軟正黑體" pitchFamily="34" charset="-120"/>
-              </a:rPr>
-              <a:t>袮</a:t>
-            </a:r>
-            <a:r>
-              <a:rPr lang="zh-TW" altLang="en-US" sz="6400" b="1" dirty="0">
-                <a:solidFill>
-                  <a:srgbClr val="660033"/>
-                </a:solidFill>
-                <a:latin typeface="微軟正黑體" pitchFamily="34" charset="-120"/>
-                <a:ea typeface="微軟正黑體" pitchFamily="34" charset="-120"/>
-              </a:rPr>
-              <a:t>的</a:t>
-            </a:r>
-            <a:r>
-              <a:rPr lang="zh-TW" altLang="en-US" sz="6400" b="1" dirty="0">
-                <a:solidFill>
-                  <a:srgbClr val="660033"/>
-                </a:solidFill>
-                <a:latin typeface="微軟正黑體" pitchFamily="34" charset="-120"/>
-                <a:ea typeface="微軟正黑體" pitchFamily="34" charset="-120"/>
-              </a:rPr>
-              <a:t>信實廣大</a:t>
-            </a:r>
-          </a:p>
-          <a:p>
-            <a:pPr algn="ctr">
-              <a:buNone/>
-            </a:pPr>
-            <a:r>
-              <a:rPr lang="zh-TW" altLang="en-US" sz="6400" b="1" dirty="0">
-                <a:solidFill>
-                  <a:srgbClr val="660033"/>
-                </a:solidFill>
-                <a:latin typeface="微軟正黑體" pitchFamily="34" charset="-120"/>
-                <a:ea typeface="微軟正黑體" pitchFamily="34" charset="-120"/>
-              </a:rPr>
-              <a:t>清晨復清晨 </a:t>
-            </a:r>
-            <a:r>
-              <a:rPr lang="zh-TW" altLang="en-US" sz="6400" b="1" dirty="0">
-                <a:solidFill>
-                  <a:srgbClr val="660033"/>
-                </a:solidFill>
-                <a:latin typeface="微軟正黑體" pitchFamily="34" charset="-120"/>
-                <a:ea typeface="微軟正黑體" pitchFamily="34" charset="-120"/>
-              </a:rPr>
-              <a:t> 更</a:t>
-            </a:r>
-            <a:r>
-              <a:rPr lang="zh-TW" altLang="en-US" sz="6400" b="1" dirty="0">
-                <a:solidFill>
-                  <a:srgbClr val="660033"/>
-                </a:solidFill>
-                <a:latin typeface="微軟正黑體" pitchFamily="34" charset="-120"/>
-                <a:ea typeface="微軟正黑體" pitchFamily="34" charset="-120"/>
-              </a:rPr>
-              <a:t>經歷新恩</a:t>
+              <a:t>清晨復清晨  更經歷新恩</a:t>
             </a:r>
           </a:p>
         </p:txBody>
@@ -3778,7 +3678,7 @@
     </p:spTree>
     <p:extLst>
       <p:ext uri="{BB962C8B-B14F-4D97-AF65-F5344CB8AC3E}">
-        <p14:creationId xmlns:p14="http://schemas.microsoft.com/office/powerpoint/2010/main" val="798840149"/>
+        <p14:creationId xmlns:p14="http://schemas.microsoft.com/office/powerpoint/2010/main" val="104039646"/>
       </p:ext>
     </p:extLst>
   </p:cSld>
@@ -3841,6 +3741,36 @@
               <a:t>我所需</a:t>
             </a:r>
             <a:r>
+              <a:rPr lang="zh-TW" altLang="en-US" sz="6400" b="1" dirty="0" smtClean="0">
+                <a:solidFill>
+                  <a:srgbClr val="660033"/>
+                </a:solidFill>
+                <a:latin typeface="微軟正黑體" pitchFamily="34" charset="-120"/>
+                <a:ea typeface="微軟正黑體" pitchFamily="34" charset="-120"/>
+              </a:rPr>
+              <a:t>用</a:t>
+            </a:r>
+            <a:r>
+              <a:rPr lang="zh-CN" altLang="en-US" sz="6400" b="1" dirty="0">
+                <a:solidFill>
+                  <a:srgbClr val="660033"/>
+                </a:solidFill>
+                <a:latin typeface="微軟正黑體" pitchFamily="34" charset="-120"/>
+                <a:ea typeface="微軟正黑體" pitchFamily="34" charset="-120"/>
+              </a:rPr>
+              <a:t>祢</a:t>
+            </a:r>
+            <a:r>
+              <a:rPr lang="zh-TW" altLang="en-US" sz="6400" b="1" dirty="0" smtClean="0">
+                <a:solidFill>
+                  <a:srgbClr val="660033"/>
+                </a:solidFill>
+                <a:latin typeface="微軟正黑體" pitchFamily="34" charset="-120"/>
+                <a:ea typeface="微軟正黑體" pitchFamily="34" charset="-120"/>
+              </a:rPr>
+              <a:t>恩</a:t>
+            </a:r>
+            <a:r>
               <a:rPr lang="zh-TW" altLang="en-US" sz="6400" b="1" dirty="0">
                 <a:solidFill>
                   <a:srgbClr val="660033"/>
@@ -3848,8 +3778,13 @@
                 <a:latin typeface="微軟正黑體" pitchFamily="34" charset="-120"/>
                 <a:ea typeface="微軟正黑體" pitchFamily="34" charset="-120"/>
               </a:rPr>
-              <a:t>用</a:t>
-            </a:r>
+              <a:t>手豐富預備</a:t>
+            </a:r>
+          </a:p>
+          <a:p>
+            <a:pPr algn="ctr">
+              <a:buNone/>
+            </a:pPr>
             <a:r>
               <a:rPr lang="zh-CN" altLang="en-US" sz="6400" b="1" dirty="0">
                 <a:solidFill>
@@ -3858,7 +3793,17 @@
                 <a:latin typeface="微軟正黑體" pitchFamily="34" charset="-120"/>
                 <a:ea typeface="微軟正黑體" pitchFamily="34" charset="-120"/>
               </a:rPr>
-              <a:t>袮</a:t>
+              <a:t>祢</a:t>
+            </a:r>
+            <a:r>
+              <a:rPr lang="zh-TW" altLang="en-US" sz="6400" b="1" dirty="0" smtClean="0">
+                <a:solidFill>
+                  <a:srgbClr val="660033"/>
+                </a:solidFill>
+                <a:latin typeface="微軟正黑體" pitchFamily="34" charset="-120"/>
+                <a:ea typeface="微軟正黑體" pitchFamily="34" charset="-120"/>
+              </a:rPr>
+              <a:t>的</a:t>
             </a:r>
             <a:r>
               <a:rPr lang="zh-TW" altLang="en-US" sz="6400" b="1" dirty="0">
@@ -3868,72 +3813,7 @@
                 <a:latin typeface="微軟正黑體" pitchFamily="34" charset="-120"/>
                 <a:ea typeface="微軟正黑體" pitchFamily="34" charset="-120"/>
               </a:rPr>
-              <a:t>恩</a:t>
-            </a:r>
-            <a:r>
-              <a:rPr lang="zh-TW" altLang="en-US" sz="6400" b="1" dirty="0">
-                <a:solidFill>
-                  <a:srgbClr val="660033"/>
-                </a:solidFill>
-                <a:latin typeface="微軟正黑體" pitchFamily="34" charset="-120"/>
-                <a:ea typeface="微軟正黑體" pitchFamily="34" charset="-120"/>
-              </a:rPr>
-              <a:t>手豐富預備</a:t>
-            </a:r>
-          </a:p>
-          <a:p>
-            <a:pPr algn="ctr">
-              <a:buNone/>
-            </a:pPr>
-            <a:r>
-              <a:rPr lang="zh-CN" altLang="en-US" sz="6400" b="1" dirty="0">
-                <a:solidFill>
-                  <a:srgbClr val="660033"/>
-                </a:solidFill>
-                <a:latin typeface="微軟正黑體" pitchFamily="34" charset="-120"/>
-                <a:ea typeface="微軟正黑體" pitchFamily="34" charset="-120"/>
-              </a:rPr>
-              <a:t>袮</a:t>
-            </a:r>
-            <a:r>
-              <a:rPr lang="zh-TW" altLang="en-US" sz="6400" b="1" dirty="0">
-                <a:solidFill>
-                  <a:srgbClr val="660033"/>
-                </a:solidFill>
-                <a:latin typeface="微軟正黑體" pitchFamily="34" charset="-120"/>
-                <a:ea typeface="微軟正黑體" pitchFamily="34" charset="-120"/>
-              </a:rPr>
-              <a:t>的</a:t>
-            </a:r>
-            <a:r>
-              <a:rPr lang="zh-TW" altLang="en-US" sz="6400" b="1" dirty="0">
-                <a:solidFill>
-                  <a:srgbClr val="660033"/>
-                </a:solidFill>
-                <a:latin typeface="微軟正黑體" pitchFamily="34" charset="-120"/>
-                <a:ea typeface="微軟正黑體" pitchFamily="34" charset="-120"/>
-              </a:rPr>
-              <a:t>信實廣大 </a:t>
-            </a:r>
-            <a:r>
-              <a:rPr lang="zh-TW" altLang="en-US" sz="6400" b="1" dirty="0">
-                <a:solidFill>
-                  <a:srgbClr val="660033"/>
-                </a:solidFill>
-                <a:latin typeface="微軟正黑體" pitchFamily="34" charset="-120"/>
-                <a:ea typeface="微軟正黑體" pitchFamily="34" charset="-120"/>
-              </a:rPr>
-              <a:t> 顯</a:t>
-            </a:r>
-            <a:r>
-              <a:rPr lang="zh-TW" altLang="en-US" sz="6400" b="1" dirty="0">
-                <a:solidFill>
-                  <a:srgbClr val="660033"/>
-                </a:solidFill>
-                <a:latin typeface="微軟正黑體" pitchFamily="34" charset="-120"/>
-                <a:ea typeface="微軟正黑體" pitchFamily="34" charset="-120"/>
-              </a:rPr>
-              <a:t>在我身</a:t>
+              <a:t>信實廣大  顯在我身</a:t>
             </a:r>
           </a:p>
         </p:txBody>
@@ -3941,7 +3821,7 @@
     </p:spTree>
     <p:extLst>
       <p:ext uri="{BB962C8B-B14F-4D97-AF65-F5344CB8AC3E}">
-        <p14:creationId xmlns:p14="http://schemas.microsoft.com/office/powerpoint/2010/main" val="3956224176"/>
+        <p14:creationId xmlns:p14="http://schemas.microsoft.com/office/powerpoint/2010/main" val="4274126907"/>
       </p:ext>
     </p:extLst>
   </p:cSld>
@@ -4001,7 +3881,7 @@
                 <a:latin typeface="微軟正黑體" pitchFamily="34" charset="-120"/>
                 <a:ea typeface="微軟正黑體" pitchFamily="34" charset="-120"/>
               </a:rPr>
-              <a:t>袮</a:t>
+              <a:t>祢</a:t>
             </a:r>
             <a:r>
               <a:rPr lang="zh-TW" altLang="en-US" sz="6400" b="1" dirty="0">
@@ -4021,7 +3901,7 @@
                 <a:latin typeface="微軟正黑體" pitchFamily="34" charset="-120"/>
                 <a:ea typeface="微軟正黑體" pitchFamily="34" charset="-120"/>
               </a:rPr>
-              <a:t>信實廣大 </a:t>
+              <a:t>信</a:t>
             </a:r>
             <a:r>
               <a:rPr lang="zh-TW" altLang="en-US" sz="6400" b="1" dirty="0">
@@ -4031,17 +3911,7 @@
                 <a:latin typeface="微軟正黑體" pitchFamily="34" charset="-120"/>
                 <a:ea typeface="微軟正黑體" pitchFamily="34" charset="-120"/>
               </a:rPr>
-              <a:t> 我</a:t>
-            </a:r>
-            <a:r>
-              <a:rPr lang="zh-TW" altLang="en-US" sz="6400" b="1" dirty="0">
-                <a:solidFill>
-                  <a:srgbClr val="660033"/>
-                </a:solidFill>
-                <a:latin typeface="微軟正黑體" pitchFamily="34" charset="-120"/>
-                <a:ea typeface="微軟正黑體" pitchFamily="34" charset="-120"/>
-              </a:rPr>
-              <a:t>神我天父</a:t>
+              <a:t>實廣大  我神我天父</a:t>
             </a:r>
           </a:p>
           <a:p>
@@ -4049,7 +3919,7 @@
               <a:buNone/>
             </a:pPr>
             <a:r>
-              <a:rPr lang="zh-TW" altLang="en-US" sz="6400" b="1" dirty="0">
+              <a:rPr lang="zh-TW" altLang="en-US" sz="6400" b="1" dirty="0" smtClean="0">
                 <a:solidFill>
                   <a:srgbClr val="660033"/>
                 </a:solidFill>
@@ -4066,10 +3936,10 @@
                 <a:latin typeface="微軟正黑體" pitchFamily="34" charset="-120"/>
                 <a:ea typeface="微軟正黑體" pitchFamily="34" charset="-120"/>
               </a:rPr>
-              <a:t>袮</a:t>
-            </a:r>
-            <a:r>
-              <a:rPr lang="zh-TW" altLang="en-US" sz="6400" b="1" dirty="0">
+              <a:t>祢</a:t>
+            </a:r>
+            <a:r>
+              <a:rPr lang="zh-TW" altLang="en-US" sz="6400" b="1" dirty="0" smtClean="0">
                 <a:solidFill>
                   <a:srgbClr val="660033"/>
                 </a:solidFill>
@@ -4220,8 +4090,13 @@
                 <a:latin typeface="微軟正黑體" pitchFamily="34" charset="-120"/>
                 <a:ea typeface="微軟正黑體" pitchFamily="34" charset="-120"/>
               </a:rPr>
-              <a:t>永不改</a:t>
-            </a:r>
+              <a:t>永不改變  父神每天施憐憫</a:t>
+            </a:r>
+          </a:p>
+          <a:p>
+            <a:pPr algn="ctr">
+              <a:buNone/>
+            </a:pPr>
             <a:r>
               <a:rPr lang="zh-TW" altLang="en-US" sz="6400" b="1" dirty="0">
                 <a:solidFill>
@@ -4230,52 +4105,7 @@
                 <a:latin typeface="微軟正黑體" pitchFamily="34" charset="-120"/>
                 <a:ea typeface="微軟正黑體" pitchFamily="34" charset="-120"/>
               </a:rPr>
-              <a:t>變  父</a:t>
-            </a:r>
-            <a:r>
-              <a:rPr lang="zh-TW" altLang="en-US" sz="6400" b="1" dirty="0">
-                <a:solidFill>
-                  <a:srgbClr val="660033"/>
-                </a:solidFill>
-                <a:latin typeface="微軟正黑體" pitchFamily="34" charset="-120"/>
-                <a:ea typeface="微軟正黑體" pitchFamily="34" charset="-120"/>
-              </a:rPr>
-              <a:t>神每天施憐憫</a:t>
-            </a:r>
-          </a:p>
-          <a:p>
-            <a:pPr algn="ctr">
-              <a:buNone/>
-            </a:pPr>
-            <a:r>
-              <a:rPr lang="zh-TW" altLang="en-US" sz="6400" b="1" dirty="0">
-                <a:solidFill>
-                  <a:srgbClr val="660033"/>
-                </a:solidFill>
-                <a:latin typeface="微軟正黑體" pitchFamily="34" charset="-120"/>
-                <a:ea typeface="微軟正黑體" pitchFamily="34" charset="-120"/>
-              </a:rPr>
-              <a:t>無始無終上</a:t>
-            </a:r>
-            <a:r>
-              <a:rPr lang="zh-TW" altLang="en-US" sz="6400" b="1" dirty="0">
-                <a:solidFill>
-                  <a:srgbClr val="660033"/>
-                </a:solidFill>
-                <a:latin typeface="微軟正黑體" pitchFamily="34" charset="-120"/>
-                <a:ea typeface="微軟正黑體" pitchFamily="34" charset="-120"/>
-              </a:rPr>
-              <a:t>主施</a:t>
-            </a:r>
-            <a:r>
-              <a:rPr lang="zh-TW" altLang="en-US" sz="6400" b="1" dirty="0">
-                <a:solidFill>
-                  <a:srgbClr val="660033"/>
-                </a:solidFill>
-                <a:latin typeface="微軟正黑體" pitchFamily="34" charset="-120"/>
-                <a:ea typeface="微軟正黑體" pitchFamily="34" charset="-120"/>
-              </a:rPr>
-              <a:t>恩不盡</a:t>
+              <a:t>無始無終上主施恩不盡</a:t>
             </a:r>
           </a:p>
         </p:txBody>
@@ -4402,7 +4232,17 @@
                 <a:latin typeface="微軟正黑體" pitchFamily="34" charset="-120"/>
                 <a:ea typeface="微軟正黑體" pitchFamily="34" charset="-120"/>
               </a:rPr>
-              <a:t>袮</a:t>
+              <a:t>祢</a:t>
+            </a:r>
+            <a:r>
+              <a:rPr lang="zh-TW" altLang="en-US" sz="6400" b="1" dirty="0" smtClean="0">
+                <a:solidFill>
+                  <a:srgbClr val="660033"/>
+                </a:solidFill>
+                <a:latin typeface="微軟正黑體" pitchFamily="34" charset="-120"/>
+                <a:ea typeface="微軟正黑體" pitchFamily="34" charset="-120"/>
+              </a:rPr>
+              <a:t>的</a:t>
             </a:r>
             <a:r>
               <a:rPr lang="zh-TW" altLang="en-US" sz="6400" b="1" dirty="0">
@@ -4412,6 +4252,36 @@
                 <a:latin typeface="微軟正黑體" pitchFamily="34" charset="-120"/>
                 <a:ea typeface="微軟正黑體" pitchFamily="34" charset="-120"/>
               </a:rPr>
+              <a:t>信實廣</a:t>
+            </a:r>
+            <a:r>
+              <a:rPr lang="zh-TW" altLang="en-US" sz="6400" b="1" dirty="0" smtClean="0">
+                <a:solidFill>
+                  <a:srgbClr val="660033"/>
+                </a:solidFill>
+                <a:latin typeface="微軟正黑體" pitchFamily="34" charset="-120"/>
+                <a:ea typeface="微軟正黑體" pitchFamily="34" charset="-120"/>
+              </a:rPr>
+              <a:t>大  </a:t>
+            </a:r>
+            <a:r>
+              <a:rPr lang="zh-CN" altLang="en-US" sz="6400" b="1" dirty="0" smtClean="0">
+                <a:solidFill>
+                  <a:srgbClr val="660033"/>
+                </a:solidFill>
+                <a:latin typeface="微軟正黑體" pitchFamily="34" charset="-120"/>
+                <a:ea typeface="微軟正黑體" pitchFamily="34" charset="-120"/>
+              </a:rPr>
+              <a:t>祢</a:t>
+            </a:r>
+            <a:r>
+              <a:rPr lang="zh-TW" altLang="en-US" sz="6400" b="1" dirty="0" smtClean="0">
+                <a:solidFill>
+                  <a:srgbClr val="660033"/>
+                </a:solidFill>
+                <a:latin typeface="微軟正黑體" pitchFamily="34" charset="-120"/>
+                <a:ea typeface="微軟正黑體" pitchFamily="34" charset="-120"/>
+              </a:rPr>
               <a:t>的</a:t>
             </a:r>
             <a:r>
@@ -4422,8 +4292,13 @@
                 <a:latin typeface="微軟正黑體" pitchFamily="34" charset="-120"/>
                 <a:ea typeface="微軟正黑體" pitchFamily="34" charset="-120"/>
               </a:rPr>
-              <a:t>信實廣</a:t>
-            </a:r>
+              <a:t>信實廣大</a:t>
+            </a:r>
+          </a:p>
+          <a:p>
+            <a:pPr algn="ctr">
+              <a:buNone/>
+            </a:pPr>
             <a:r>
               <a:rPr lang="zh-TW" altLang="en-US" sz="6400" b="1" dirty="0">
                 <a:solidFill>
@@ -4432,72 +4307,7 @@
                 <a:latin typeface="微軟正黑體" pitchFamily="34" charset="-120"/>
                 <a:ea typeface="微軟正黑體" pitchFamily="34" charset="-120"/>
               </a:rPr>
-              <a:t>大  </a:t>
-            </a:r>
-            <a:r>
-              <a:rPr lang="zh-CN" altLang="en-US" sz="6400" b="1" dirty="0">
-                <a:solidFill>
-                  <a:srgbClr val="660033"/>
-                </a:solidFill>
-                <a:latin typeface="微軟正黑體" pitchFamily="34" charset="-120"/>
-                <a:ea typeface="微軟正黑體" pitchFamily="34" charset="-120"/>
-              </a:rPr>
-              <a:t>袮</a:t>
-            </a:r>
-            <a:r>
-              <a:rPr lang="zh-TW" altLang="en-US" sz="6400" b="1" dirty="0">
-                <a:solidFill>
-                  <a:srgbClr val="660033"/>
-                </a:solidFill>
-                <a:latin typeface="微軟正黑體" pitchFamily="34" charset="-120"/>
-                <a:ea typeface="微軟正黑體" pitchFamily="34" charset="-120"/>
-              </a:rPr>
-              <a:t>的</a:t>
-            </a:r>
-            <a:r>
-              <a:rPr lang="zh-TW" altLang="en-US" sz="6400" b="1" dirty="0">
-                <a:solidFill>
-                  <a:srgbClr val="660033"/>
-                </a:solidFill>
-                <a:latin typeface="微軟正黑體" pitchFamily="34" charset="-120"/>
-                <a:ea typeface="微軟正黑體" pitchFamily="34" charset="-120"/>
-              </a:rPr>
-              <a:t>信實廣大</a:t>
-            </a:r>
-          </a:p>
-          <a:p>
-            <a:pPr algn="ctr">
-              <a:buNone/>
-            </a:pPr>
-            <a:r>
-              <a:rPr lang="zh-TW" altLang="en-US" sz="6400" b="1" dirty="0">
-                <a:solidFill>
-                  <a:srgbClr val="660033"/>
-                </a:solidFill>
-                <a:latin typeface="微軟正黑體" pitchFamily="34" charset="-120"/>
-                <a:ea typeface="微軟正黑體" pitchFamily="34" charset="-120"/>
-              </a:rPr>
-              <a:t>清晨復清晨 </a:t>
-            </a:r>
-            <a:r>
-              <a:rPr lang="zh-TW" altLang="en-US" sz="6400" b="1" dirty="0">
-                <a:solidFill>
-                  <a:srgbClr val="660033"/>
-                </a:solidFill>
-                <a:latin typeface="微軟正黑體" pitchFamily="34" charset="-120"/>
-                <a:ea typeface="微軟正黑體" pitchFamily="34" charset="-120"/>
-              </a:rPr>
-              <a:t> 更</a:t>
-            </a:r>
-            <a:r>
-              <a:rPr lang="zh-TW" altLang="en-US" sz="6400" b="1" dirty="0">
-                <a:solidFill>
-                  <a:srgbClr val="660033"/>
-                </a:solidFill>
-                <a:latin typeface="微軟正黑體" pitchFamily="34" charset="-120"/>
-                <a:ea typeface="微軟正黑體" pitchFamily="34" charset="-120"/>
-              </a:rPr>
-              <a:t>經歷新恩</a:t>
+              <a:t>清晨復清晨  更經歷新恩</a:t>
             </a:r>
           </a:p>
         </p:txBody>
@@ -4568,6 +4378,36 @@
               <a:t>我所需</a:t>
             </a:r>
             <a:r>
+              <a:rPr lang="zh-TW" altLang="en-US" sz="6400" b="1" dirty="0" smtClean="0">
+                <a:solidFill>
+                  <a:srgbClr val="660033"/>
+                </a:solidFill>
+                <a:latin typeface="微軟正黑體" pitchFamily="34" charset="-120"/>
+                <a:ea typeface="微軟正黑體" pitchFamily="34" charset="-120"/>
+              </a:rPr>
+              <a:t>用</a:t>
+            </a:r>
+            <a:r>
+              <a:rPr lang="zh-CN" altLang="en-US" sz="6400" b="1" dirty="0">
+                <a:solidFill>
+                  <a:srgbClr val="660033"/>
+                </a:solidFill>
+                <a:latin typeface="微軟正黑體" pitchFamily="34" charset="-120"/>
+                <a:ea typeface="微軟正黑體" pitchFamily="34" charset="-120"/>
+              </a:rPr>
+              <a:t>祢</a:t>
+            </a:r>
+            <a:r>
+              <a:rPr lang="zh-TW" altLang="en-US" sz="6400" b="1" dirty="0" smtClean="0">
+                <a:solidFill>
+                  <a:srgbClr val="660033"/>
+                </a:solidFill>
+                <a:latin typeface="微軟正黑體" pitchFamily="34" charset="-120"/>
+                <a:ea typeface="微軟正黑體" pitchFamily="34" charset="-120"/>
+              </a:rPr>
+              <a:t>恩</a:t>
+            </a:r>
+            <a:r>
               <a:rPr lang="zh-TW" altLang="en-US" sz="6400" b="1" dirty="0">
                 <a:solidFill>
                   <a:srgbClr val="660033"/>
@@ -4575,8 +4415,13 @@
                 <a:latin typeface="微軟正黑體" pitchFamily="34" charset="-120"/>
                 <a:ea typeface="微軟正黑體" pitchFamily="34" charset="-120"/>
               </a:rPr>
-              <a:t>用</a:t>
-            </a:r>
+              <a:t>手豐富預備</a:t>
+            </a:r>
+          </a:p>
+          <a:p>
+            <a:pPr algn="ctr">
+              <a:buNone/>
+            </a:pPr>
             <a:r>
               <a:rPr lang="zh-CN" altLang="en-US" sz="6400" b="1" dirty="0">
                 <a:solidFill>
@@ -4585,7 +4430,17 @@
                 <a:latin typeface="微軟正黑體" pitchFamily="34" charset="-120"/>
                 <a:ea typeface="微軟正黑體" pitchFamily="34" charset="-120"/>
               </a:rPr>
-              <a:t>袮</a:t>
+              <a:t>祢</a:t>
+            </a:r>
+            <a:r>
+              <a:rPr lang="zh-TW" altLang="en-US" sz="6400" b="1" dirty="0" smtClean="0">
+                <a:solidFill>
+                  <a:srgbClr val="660033"/>
+                </a:solidFill>
+                <a:latin typeface="微軟正黑體" pitchFamily="34" charset="-120"/>
+                <a:ea typeface="微軟正黑體" pitchFamily="34" charset="-120"/>
+              </a:rPr>
+              <a:t>的</a:t>
             </a:r>
             <a:r>
               <a:rPr lang="zh-TW" altLang="en-US" sz="6400" b="1" dirty="0">
@@ -4595,72 +4450,7 @@
                 <a:latin typeface="微軟正黑體" pitchFamily="34" charset="-120"/>
                 <a:ea typeface="微軟正黑體" pitchFamily="34" charset="-120"/>
               </a:rPr>
-              <a:t>恩</a:t>
-            </a:r>
-            <a:r>
-              <a:rPr lang="zh-TW" altLang="en-US" sz="6400" b="1" dirty="0">
-                <a:solidFill>
-                  <a:srgbClr val="660033"/>
-                </a:solidFill>
-                <a:latin typeface="微軟正黑體" pitchFamily="34" charset="-120"/>
-                <a:ea typeface="微軟正黑體" pitchFamily="34" charset="-120"/>
-              </a:rPr>
-              <a:t>手豐富預備</a:t>
-            </a:r>
-          </a:p>
-          <a:p>
-            <a:pPr algn="ctr">
-              <a:buNone/>
-            </a:pPr>
-            <a:r>
-              <a:rPr lang="zh-CN" altLang="en-US" sz="6400" b="1" dirty="0">
-                <a:solidFill>
-                  <a:srgbClr val="660033"/>
-                </a:solidFill>
-                <a:latin typeface="微軟正黑體" pitchFamily="34" charset="-120"/>
-                <a:ea typeface="微軟正黑體" pitchFamily="34" charset="-120"/>
-              </a:rPr>
-              <a:t>袮</a:t>
-            </a:r>
-            <a:r>
-              <a:rPr lang="zh-TW" altLang="en-US" sz="6400" b="1" dirty="0">
-                <a:solidFill>
-                  <a:srgbClr val="660033"/>
-                </a:solidFill>
-                <a:latin typeface="微軟正黑體" pitchFamily="34" charset="-120"/>
-                <a:ea typeface="微軟正黑體" pitchFamily="34" charset="-120"/>
-              </a:rPr>
-              <a:t>的</a:t>
-            </a:r>
-            <a:r>
-              <a:rPr lang="zh-TW" altLang="en-US" sz="6400" b="1" dirty="0">
-                <a:solidFill>
-                  <a:srgbClr val="660033"/>
-                </a:solidFill>
-                <a:latin typeface="微軟正黑體" pitchFamily="34" charset="-120"/>
-                <a:ea typeface="微軟正黑體" pitchFamily="34" charset="-120"/>
-              </a:rPr>
-              <a:t>信實廣大 </a:t>
-            </a:r>
-            <a:r>
-              <a:rPr lang="zh-TW" altLang="en-US" sz="6400" b="1" dirty="0">
-                <a:solidFill>
-                  <a:srgbClr val="660033"/>
-                </a:solidFill>
-                <a:latin typeface="微軟正黑體" pitchFamily="34" charset="-120"/>
-                <a:ea typeface="微軟正黑體" pitchFamily="34" charset="-120"/>
-              </a:rPr>
-              <a:t> 顯</a:t>
-            </a:r>
-            <a:r>
-              <a:rPr lang="zh-TW" altLang="en-US" sz="6400" b="1" dirty="0">
-                <a:solidFill>
-                  <a:srgbClr val="660033"/>
-                </a:solidFill>
-                <a:latin typeface="微軟正黑體" pitchFamily="34" charset="-120"/>
-                <a:ea typeface="微軟正黑體" pitchFamily="34" charset="-120"/>
-              </a:rPr>
-              <a:t>在我身</a:t>
+              <a:t>信實廣大  顯在我身</a:t>
             </a:r>
           </a:p>
         </p:txBody>
@@ -4728,27 +4518,7 @@
                 <a:latin typeface="微軟正黑體" pitchFamily="34" charset="-120"/>
                 <a:ea typeface="微軟正黑體" pitchFamily="34" charset="-120"/>
               </a:rPr>
-              <a:t>春夏秋冬四</a:t>
-            </a:r>
-            <a:r>
-              <a:rPr lang="zh-TW" altLang="en-US" sz="6400" b="1" dirty="0">
-                <a:solidFill>
-                  <a:srgbClr val="660033"/>
-                </a:solidFill>
-                <a:latin typeface="微軟正黑體" pitchFamily="34" charset="-120"/>
-                <a:ea typeface="微軟正黑體" pitchFamily="34" charset="-120"/>
-              </a:rPr>
-              <a:t>季  有</a:t>
-            </a:r>
-            <a:r>
-              <a:rPr lang="zh-TW" altLang="en-US" sz="6400" b="1" dirty="0">
-                <a:solidFill>
-                  <a:srgbClr val="660033"/>
-                </a:solidFill>
-                <a:latin typeface="微軟正黑體" pitchFamily="34" charset="-120"/>
-                <a:ea typeface="微軟正黑體" pitchFamily="34" charset="-120"/>
-              </a:rPr>
-              <a:t>栽種收成</a:t>
+              <a:t>春夏秋冬四季  有栽種收成</a:t>
             </a:r>
           </a:p>
           <a:p>
@@ -4905,47 +4675,7 @@
                 <a:latin typeface="微軟正黑體" pitchFamily="34" charset="-120"/>
                 <a:ea typeface="微軟正黑體" pitchFamily="34" charset="-120"/>
               </a:rPr>
-              <a:t>述說天父豐盛 </a:t>
-            </a:r>
-            <a:r>
-              <a:rPr lang="zh-TW" altLang="en-US" sz="6400" b="1" dirty="0">
-                <a:solidFill>
-                  <a:srgbClr val="660033"/>
-                </a:solidFill>
-                <a:latin typeface="微軟正黑體" pitchFamily="34" charset="-120"/>
-                <a:ea typeface="微軟正黑體" pitchFamily="34" charset="-120"/>
-              </a:rPr>
-              <a:t> 信</a:t>
-            </a:r>
-            <a:r>
-              <a:rPr lang="zh-TW" altLang="en-US" sz="6400" b="1" dirty="0">
-                <a:solidFill>
-                  <a:srgbClr val="660033"/>
-                </a:solidFill>
-                <a:latin typeface="微軟正黑體" pitchFamily="34" charset="-120"/>
-                <a:ea typeface="微軟正黑體" pitchFamily="34" charset="-120"/>
-              </a:rPr>
-              <a:t>實 </a:t>
-            </a:r>
-            <a:r>
-              <a:rPr lang="zh-TW" altLang="en-US" sz="6400" b="1" dirty="0">
-                <a:solidFill>
-                  <a:srgbClr val="660033"/>
-                </a:solidFill>
-                <a:latin typeface="微軟正黑體" pitchFamily="34" charset="-120"/>
-                <a:ea typeface="微軟正黑體" pitchFamily="34" charset="-120"/>
-              </a:rPr>
-              <a:t> 慈</a:t>
-            </a:r>
-            <a:r>
-              <a:rPr lang="zh-TW" altLang="en-US" sz="6400" b="1" dirty="0">
-                <a:solidFill>
-                  <a:srgbClr val="660033"/>
-                </a:solidFill>
-                <a:latin typeface="微軟正黑體" pitchFamily="34" charset="-120"/>
-                <a:ea typeface="微軟正黑體" pitchFamily="34" charset="-120"/>
-              </a:rPr>
-              <a:t>愛</a:t>
+              <a:t>述說天父豐盛  信實  慈愛</a:t>
             </a:r>
           </a:p>
         </p:txBody>
@@ -5072,7 +4802,17 @@
                 <a:latin typeface="微軟正黑體" pitchFamily="34" charset="-120"/>
                 <a:ea typeface="微軟正黑體" pitchFamily="34" charset="-120"/>
               </a:rPr>
-              <a:t>袮</a:t>
+              <a:t>祢</a:t>
+            </a:r>
+            <a:r>
+              <a:rPr lang="zh-TW" altLang="en-US" sz="6400" b="1" dirty="0" smtClean="0">
+                <a:solidFill>
+                  <a:srgbClr val="660033"/>
+                </a:solidFill>
+                <a:latin typeface="微軟正黑體" pitchFamily="34" charset="-120"/>
+                <a:ea typeface="微軟正黑體" pitchFamily="34" charset="-120"/>
+              </a:rPr>
+              <a:t>的</a:t>
             </a:r>
             <a:r>
               <a:rPr lang="zh-TW" altLang="en-US" sz="6400" b="1" dirty="0">
@@ -5082,6 +4822,36 @@
                 <a:latin typeface="微軟正黑體" pitchFamily="34" charset="-120"/>
                 <a:ea typeface="微軟正黑體" pitchFamily="34" charset="-120"/>
               </a:rPr>
+              <a:t>信實廣</a:t>
+            </a:r>
+            <a:r>
+              <a:rPr lang="zh-TW" altLang="en-US" sz="6400" b="1" dirty="0" smtClean="0">
+                <a:solidFill>
+                  <a:srgbClr val="660033"/>
+                </a:solidFill>
+                <a:latin typeface="微軟正黑體" pitchFamily="34" charset="-120"/>
+                <a:ea typeface="微軟正黑體" pitchFamily="34" charset="-120"/>
+              </a:rPr>
+              <a:t>大  </a:t>
+            </a:r>
+            <a:r>
+              <a:rPr lang="zh-CN" altLang="en-US" sz="6400" b="1" dirty="0" smtClean="0">
+                <a:solidFill>
+                  <a:srgbClr val="660033"/>
+                </a:solidFill>
+                <a:latin typeface="微軟正黑體" pitchFamily="34" charset="-120"/>
+                <a:ea typeface="微軟正黑體" pitchFamily="34" charset="-120"/>
+              </a:rPr>
+              <a:t>祢</a:t>
+            </a:r>
+            <a:r>
+              <a:rPr lang="zh-TW" altLang="en-US" sz="6400" b="1" dirty="0" smtClean="0">
+                <a:solidFill>
+                  <a:srgbClr val="660033"/>
+                </a:solidFill>
+                <a:latin typeface="微軟正黑體" pitchFamily="34" charset="-120"/>
+                <a:ea typeface="微軟正黑體" pitchFamily="34" charset="-120"/>
+              </a:rPr>
               <a:t>的</a:t>
             </a:r>
             <a:r>
@@ -5092,8 +4862,13 @@
                 <a:latin typeface="微軟正黑體" pitchFamily="34" charset="-120"/>
                 <a:ea typeface="微軟正黑體" pitchFamily="34" charset="-120"/>
               </a:rPr>
-              <a:t>信實廣</a:t>
-            </a:r>
+              <a:t>信實廣大</a:t>
+            </a:r>
+          </a:p>
+          <a:p>
+            <a:pPr algn="ctr">
+              <a:buNone/>
+            </a:pPr>
             <a:r>
               <a:rPr lang="zh-TW" altLang="en-US" sz="6400" b="1" dirty="0">
                 <a:solidFill>
@@ -5102,72 +4877,7 @@
                 <a:latin typeface="微軟正黑體" pitchFamily="34" charset="-120"/>
                 <a:ea typeface="微軟正黑體" pitchFamily="34" charset="-120"/>
               </a:rPr>
-              <a:t>大  </a:t>
-            </a:r>
-            <a:r>
-              <a:rPr lang="zh-CN" altLang="en-US" sz="6400" b="1" dirty="0">
-                <a:solidFill>
-                  <a:srgbClr val="660033"/>
-                </a:solidFill>
-                <a:latin typeface="微軟正黑體" pitchFamily="34" charset="-120"/>
-                <a:ea typeface="微軟正黑體" pitchFamily="34" charset="-120"/>
-              </a:rPr>
-              <a:t>袮</a:t>
-            </a:r>
-            <a:r>
-              <a:rPr lang="zh-TW" altLang="en-US" sz="6400" b="1" dirty="0">
-                <a:solidFill>
-                  <a:srgbClr val="660033"/>
-                </a:solidFill>
-                <a:latin typeface="微軟正黑體" pitchFamily="34" charset="-120"/>
-                <a:ea typeface="微軟正黑體" pitchFamily="34" charset="-120"/>
-              </a:rPr>
-              <a:t>的</a:t>
-            </a:r>
-            <a:r>
-              <a:rPr lang="zh-TW" altLang="en-US" sz="6400" b="1" dirty="0">
-                <a:solidFill>
-                  <a:srgbClr val="660033"/>
-                </a:solidFill>
-                <a:latin typeface="微軟正黑體" pitchFamily="34" charset="-120"/>
-                <a:ea typeface="微軟正黑體" pitchFamily="34" charset="-120"/>
-              </a:rPr>
-              <a:t>信實廣大</a:t>
-            </a:r>
-          </a:p>
-          <a:p>
-            <a:pPr algn="ctr">
-              <a:buNone/>
-            </a:pPr>
-            <a:r>
-              <a:rPr lang="zh-TW" altLang="en-US" sz="6400" b="1" dirty="0">
-                <a:solidFill>
-                  <a:srgbClr val="660033"/>
-                </a:solidFill>
-                <a:latin typeface="微軟正黑體" pitchFamily="34" charset="-120"/>
-                <a:ea typeface="微軟正黑體" pitchFamily="34" charset="-120"/>
-              </a:rPr>
-              <a:t>清晨復清晨 </a:t>
-            </a:r>
-            <a:r>
-              <a:rPr lang="zh-TW" altLang="en-US" sz="6400" b="1" dirty="0">
-                <a:solidFill>
-                  <a:srgbClr val="660033"/>
-                </a:solidFill>
-                <a:latin typeface="微軟正黑體" pitchFamily="34" charset="-120"/>
-                <a:ea typeface="微軟正黑體" pitchFamily="34" charset="-120"/>
-              </a:rPr>
-              <a:t> 更</a:t>
-            </a:r>
-            <a:r>
-              <a:rPr lang="zh-TW" altLang="en-US" sz="6400" b="1" dirty="0">
-                <a:solidFill>
-                  <a:srgbClr val="660033"/>
-                </a:solidFill>
-                <a:latin typeface="微軟正黑體" pitchFamily="34" charset="-120"/>
-                <a:ea typeface="微軟正黑體" pitchFamily="34" charset="-120"/>
-              </a:rPr>
-              <a:t>經歷新恩</a:t>
+              <a:t>清晨復清晨  更經歷新恩</a:t>
             </a:r>
           </a:p>
         </p:txBody>
@@ -5175,7 +4885,7 @@
     </p:spTree>
     <p:extLst>
       <p:ext uri="{BB962C8B-B14F-4D97-AF65-F5344CB8AC3E}">
-        <p14:creationId xmlns:p14="http://schemas.microsoft.com/office/powerpoint/2010/main" val="4037716981"/>
+        <p14:creationId xmlns:p14="http://schemas.microsoft.com/office/powerpoint/2010/main" val="2401361986"/>
       </p:ext>
     </p:extLst>
   </p:cSld>
@@ -5238,6 +4948,36 @@
               <a:t>我所需</a:t>
             </a:r>
             <a:r>
+              <a:rPr lang="zh-TW" altLang="en-US" sz="6400" b="1" dirty="0" smtClean="0">
+                <a:solidFill>
+                  <a:srgbClr val="660033"/>
+                </a:solidFill>
+                <a:latin typeface="微軟正黑體" pitchFamily="34" charset="-120"/>
+                <a:ea typeface="微軟正黑體" pitchFamily="34" charset="-120"/>
+              </a:rPr>
+              <a:t>用</a:t>
+            </a:r>
+            <a:r>
+              <a:rPr lang="zh-CN" altLang="en-US" sz="6400" b="1" dirty="0">
+                <a:solidFill>
+                  <a:srgbClr val="660033"/>
+                </a:solidFill>
+                <a:latin typeface="微軟正黑體" pitchFamily="34" charset="-120"/>
+                <a:ea typeface="微軟正黑體" pitchFamily="34" charset="-120"/>
+              </a:rPr>
+              <a:t>祢</a:t>
+            </a:r>
+            <a:r>
+              <a:rPr lang="zh-TW" altLang="en-US" sz="6400" b="1" dirty="0" smtClean="0">
+                <a:solidFill>
+                  <a:srgbClr val="660033"/>
+                </a:solidFill>
+                <a:latin typeface="微軟正黑體" pitchFamily="34" charset="-120"/>
+                <a:ea typeface="微軟正黑體" pitchFamily="34" charset="-120"/>
+              </a:rPr>
+              <a:t>恩</a:t>
+            </a:r>
+            <a:r>
               <a:rPr lang="zh-TW" altLang="en-US" sz="6400" b="1" dirty="0">
                 <a:solidFill>
                   <a:srgbClr val="660033"/>
@@ -5245,8 +4985,13 @@
                 <a:latin typeface="微軟正黑體" pitchFamily="34" charset="-120"/>
                 <a:ea typeface="微軟正黑體" pitchFamily="34" charset="-120"/>
               </a:rPr>
-              <a:t>用</a:t>
-            </a:r>
+              <a:t>手豐富預備</a:t>
+            </a:r>
+          </a:p>
+          <a:p>
+            <a:pPr algn="ctr">
+              <a:buNone/>
+            </a:pPr>
             <a:r>
               <a:rPr lang="zh-CN" altLang="en-US" sz="6400" b="1" dirty="0">
                 <a:solidFill>
@@ -5255,7 +5000,17 @@
                 <a:latin typeface="微軟正黑體" pitchFamily="34" charset="-120"/>
                 <a:ea typeface="微軟正黑體" pitchFamily="34" charset="-120"/>
               </a:rPr>
-              <a:t>袮</a:t>
+              <a:t>祢</a:t>
+            </a:r>
+            <a:r>
+              <a:rPr lang="zh-TW" altLang="en-US" sz="6400" b="1" dirty="0" smtClean="0">
+                <a:solidFill>
+                  <a:srgbClr val="660033"/>
+                </a:solidFill>
+                <a:latin typeface="微軟正黑體" pitchFamily="34" charset="-120"/>
+                <a:ea typeface="微軟正黑體" pitchFamily="34" charset="-120"/>
+              </a:rPr>
+              <a:t>的</a:t>
             </a:r>
             <a:r>
               <a:rPr lang="zh-TW" altLang="en-US" sz="6400" b="1" dirty="0">
@@ -5265,72 +5020,7 @@
                 <a:latin typeface="微軟正黑體" pitchFamily="34" charset="-120"/>
                 <a:ea typeface="微軟正黑體" pitchFamily="34" charset="-120"/>
               </a:rPr>
-              <a:t>恩</a:t>
-            </a:r>
-            <a:r>
-              <a:rPr lang="zh-TW" altLang="en-US" sz="6400" b="1" dirty="0">
-                <a:solidFill>
-                  <a:srgbClr val="660033"/>
-                </a:solidFill>
-                <a:latin typeface="微軟正黑體" pitchFamily="34" charset="-120"/>
-                <a:ea typeface="微軟正黑體" pitchFamily="34" charset="-120"/>
-              </a:rPr>
-              <a:t>手豐富預備</a:t>
-            </a:r>
-          </a:p>
-          <a:p>
-            <a:pPr algn="ctr">
-              <a:buNone/>
-            </a:pPr>
-            <a:r>
-              <a:rPr lang="zh-CN" altLang="en-US" sz="6400" b="1" dirty="0">
-                <a:solidFill>
-                  <a:srgbClr val="660033"/>
-                </a:solidFill>
-                <a:latin typeface="微軟正黑體" pitchFamily="34" charset="-120"/>
-                <a:ea typeface="微軟正黑體" pitchFamily="34" charset="-120"/>
-              </a:rPr>
-              <a:t>袮</a:t>
-            </a:r>
-            <a:r>
-              <a:rPr lang="zh-TW" altLang="en-US" sz="6400" b="1" dirty="0">
-                <a:solidFill>
-                  <a:srgbClr val="660033"/>
-                </a:solidFill>
-                <a:latin typeface="微軟正黑體" pitchFamily="34" charset="-120"/>
-                <a:ea typeface="微軟正黑體" pitchFamily="34" charset="-120"/>
-              </a:rPr>
-              <a:t>的</a:t>
-            </a:r>
-            <a:r>
-              <a:rPr lang="zh-TW" altLang="en-US" sz="6400" b="1" dirty="0">
-                <a:solidFill>
-                  <a:srgbClr val="660033"/>
-                </a:solidFill>
-                <a:latin typeface="微軟正黑體" pitchFamily="34" charset="-120"/>
-                <a:ea typeface="微軟正黑體" pitchFamily="34" charset="-120"/>
-              </a:rPr>
-              <a:t>信實廣大 </a:t>
-            </a:r>
-            <a:r>
-              <a:rPr lang="zh-TW" altLang="en-US" sz="6400" b="1" dirty="0">
-                <a:solidFill>
-                  <a:srgbClr val="660033"/>
-                </a:solidFill>
-                <a:latin typeface="微軟正黑體" pitchFamily="34" charset="-120"/>
-                <a:ea typeface="微軟正黑體" pitchFamily="34" charset="-120"/>
-              </a:rPr>
-              <a:t> 顯</a:t>
-            </a:r>
-            <a:r>
-              <a:rPr lang="zh-TW" altLang="en-US" sz="6400" b="1" dirty="0">
-                <a:solidFill>
-                  <a:srgbClr val="660033"/>
-                </a:solidFill>
-                <a:latin typeface="微軟正黑體" pitchFamily="34" charset="-120"/>
-                <a:ea typeface="微軟正黑體" pitchFamily="34" charset="-120"/>
-              </a:rPr>
-              <a:t>在我身</a:t>
+              <a:t>信實廣大  顯在我身</a:t>
             </a:r>
           </a:p>
         </p:txBody>
@@ -5338,7 +5028,7 @@
     </p:spTree>
     <p:extLst>
       <p:ext uri="{BB962C8B-B14F-4D97-AF65-F5344CB8AC3E}">
-        <p14:creationId xmlns:p14="http://schemas.microsoft.com/office/powerpoint/2010/main" val="1012130718"/>
+        <p14:creationId xmlns:p14="http://schemas.microsoft.com/office/powerpoint/2010/main" val="3871547409"/>
       </p:ext>
     </p:extLst>
   </p:cSld>
